--- a/Netflix.pptx
+++ b/Netflix.pptx
@@ -12,6 +12,7 @@
     <p:sldId id="260" r:id="rId6"/>
     <p:sldId id="261" r:id="rId7"/>
     <p:sldId id="262" r:id="rId8"/>
+    <p:sldId id="263" r:id="rId9"/>
   </p:sldIdLst>
   <p:sldSz cx="12192000" cy="6858000"/>
   <p:notesSz cx="6858000" cy="9144000"/>
@@ -265,7 +266,7 @@
           <a:p>
             <a:fld id="{17ABE5DA-E496-4DD6-8C24-C72E642455BF}" type="datetimeFigureOut">
               <a:rPr lang="en-US" smtClean="0"/>
-              <a:t>10/4/2025</a:t>
+              <a:t>10/7/2025</a:t>
             </a:fld>
             <a:endParaRPr lang="en-US"/>
           </a:p>
@@ -463,7 +464,7 @@
           <a:p>
             <a:fld id="{17ABE5DA-E496-4DD6-8C24-C72E642455BF}" type="datetimeFigureOut">
               <a:rPr lang="en-US" smtClean="0"/>
-              <a:t>10/4/2025</a:t>
+              <a:t>10/7/2025</a:t>
             </a:fld>
             <a:endParaRPr lang="en-US"/>
           </a:p>
@@ -671,7 +672,7 @@
           <a:p>
             <a:fld id="{17ABE5DA-E496-4DD6-8C24-C72E642455BF}" type="datetimeFigureOut">
               <a:rPr lang="en-US" smtClean="0"/>
-              <a:t>10/4/2025</a:t>
+              <a:t>10/7/2025</a:t>
             </a:fld>
             <a:endParaRPr lang="en-US"/>
           </a:p>
@@ -869,7 +870,7 @@
           <a:p>
             <a:fld id="{17ABE5DA-E496-4DD6-8C24-C72E642455BF}" type="datetimeFigureOut">
               <a:rPr lang="en-US" smtClean="0"/>
-              <a:t>10/4/2025</a:t>
+              <a:t>10/7/2025</a:t>
             </a:fld>
             <a:endParaRPr lang="en-US"/>
           </a:p>
@@ -1144,7 +1145,7 @@
           <a:p>
             <a:fld id="{17ABE5DA-E496-4DD6-8C24-C72E642455BF}" type="datetimeFigureOut">
               <a:rPr lang="en-US" smtClean="0"/>
-              <a:t>10/4/2025</a:t>
+              <a:t>10/7/2025</a:t>
             </a:fld>
             <a:endParaRPr lang="en-US"/>
           </a:p>
@@ -1409,7 +1410,7 @@
           <a:p>
             <a:fld id="{17ABE5DA-E496-4DD6-8C24-C72E642455BF}" type="datetimeFigureOut">
               <a:rPr lang="en-US" smtClean="0"/>
-              <a:t>10/4/2025</a:t>
+              <a:t>10/7/2025</a:t>
             </a:fld>
             <a:endParaRPr lang="en-US"/>
           </a:p>
@@ -1821,7 +1822,7 @@
           <a:p>
             <a:fld id="{17ABE5DA-E496-4DD6-8C24-C72E642455BF}" type="datetimeFigureOut">
               <a:rPr lang="en-US" smtClean="0"/>
-              <a:t>10/4/2025</a:t>
+              <a:t>10/7/2025</a:t>
             </a:fld>
             <a:endParaRPr lang="en-US"/>
           </a:p>
@@ -1962,7 +1963,7 @@
           <a:p>
             <a:fld id="{17ABE5DA-E496-4DD6-8C24-C72E642455BF}" type="datetimeFigureOut">
               <a:rPr lang="en-US" smtClean="0"/>
-              <a:t>10/4/2025</a:t>
+              <a:t>10/7/2025</a:t>
             </a:fld>
             <a:endParaRPr lang="en-US"/>
           </a:p>
@@ -2075,7 +2076,7 @@
           <a:p>
             <a:fld id="{17ABE5DA-E496-4DD6-8C24-C72E642455BF}" type="datetimeFigureOut">
               <a:rPr lang="en-US" smtClean="0"/>
-              <a:t>10/4/2025</a:t>
+              <a:t>10/7/2025</a:t>
             </a:fld>
             <a:endParaRPr lang="en-US"/>
           </a:p>
@@ -2386,7 +2387,7 @@
           <a:p>
             <a:fld id="{17ABE5DA-E496-4DD6-8C24-C72E642455BF}" type="datetimeFigureOut">
               <a:rPr lang="en-US" smtClean="0"/>
-              <a:t>10/4/2025</a:t>
+              <a:t>10/7/2025</a:t>
             </a:fld>
             <a:endParaRPr lang="en-US"/>
           </a:p>
@@ -2674,7 +2675,7 @@
           <a:p>
             <a:fld id="{17ABE5DA-E496-4DD6-8C24-C72E642455BF}" type="datetimeFigureOut">
               <a:rPr lang="en-US" smtClean="0"/>
-              <a:t>10/4/2025</a:t>
+              <a:t>10/7/2025</a:t>
             </a:fld>
             <a:endParaRPr lang="en-US"/>
           </a:p>
@@ -2915,7 +2916,7 @@
           <a:p>
             <a:fld id="{17ABE5DA-E496-4DD6-8C24-C72E642455BF}" type="datetimeFigureOut">
               <a:rPr lang="en-US" smtClean="0"/>
-              <a:t>10/4/2025</a:t>
+              <a:t>10/7/2025</a:t>
             </a:fld>
             <a:endParaRPr lang="en-US"/>
           </a:p>
@@ -3675,7 +3676,12 @@
             <p:ph type="title"/>
           </p:nvPr>
         </p:nvSpPr>
-        <p:spPr/>
+        <p:spPr>
+          <a:xfrm>
+            <a:off x="0" y="158647"/>
+            <a:ext cx="10515600" cy="1325563"/>
+          </a:xfrm>
+        </p:spPr>
         <p:txBody>
           <a:bodyPr/>
           <a:lstStyle/>
@@ -4318,7 +4324,7 @@
         </p:spPr>
         <p:txBody>
           <a:bodyPr>
-            <a:normAutofit fontScale="92500"/>
+            <a:normAutofit/>
           </a:bodyPr>
           <a:lstStyle/>
           <a:p>
@@ -4457,24 +4463,8 @@
                 <a:effectLst/>
                 <a:latin typeface="Atkinson Hyperlegible"/>
               </a:rPr>
-              <a:t> The bar chart depicts how content is rated (e.g., G, PG, PG-13, R), highlighting the most common rating categories and aiding in content suitability analysis.</a:t>
-            </a:r>
-            <a:br>
-              <a:rPr lang="en-US" b="0" i="0" dirty="0">
-                <a:solidFill>
-                  <a:srgbClr val="FFFFFF"/>
-                </a:solidFill>
-                <a:effectLst/>
-                <a:latin typeface="Atkinson Hyperlegible"/>
-              </a:rPr>
-            </a:br>
-            <a:endParaRPr lang="en-US" b="0" i="0" dirty="0">
-              <a:solidFill>
-                <a:srgbClr val="FFFFFF"/>
-              </a:solidFill>
-              <a:effectLst/>
-              <a:latin typeface="Atkinson Hyperlegible"/>
-            </a:endParaRPr>
+              <a:t> The bar chart depicts how content is rated (e.g., G, PG, PG-13, R)</a:t>
+            </a:r>
           </a:p>
           <a:p>
             <a:br>
@@ -4645,6 +4635,217 @@
     <p:extLst>
       <p:ext uri="{BB962C8B-B14F-4D97-AF65-F5344CB8AC3E}">
         <p14:creationId xmlns:p14="http://schemas.microsoft.com/office/powerpoint/2010/main" val="2215295368"/>
+      </p:ext>
+    </p:extLst>
+  </p:cSld>
+  <p:clrMapOvr>
+    <a:masterClrMapping/>
+  </p:clrMapOvr>
+</p:sld>
+</file>
+
+<file path=ppt/slides/slide8.xml><?xml version="1.0" encoding="utf-8"?>
+<p:sld xmlns:a="http://schemas.openxmlformats.org/drawingml/2006/main" xmlns:r="http://schemas.openxmlformats.org/officeDocument/2006/relationships" xmlns:p="http://schemas.openxmlformats.org/presentationml/2006/main">
+  <p:cSld>
+    <p:bg>
+      <p:bgPr>
+        <a:solidFill>
+          <a:schemeClr val="tx1"/>
+        </a:solidFill>
+        <a:effectLst/>
+      </p:bgPr>
+    </p:bg>
+    <p:spTree>
+      <p:nvGrpSpPr>
+        <p:cNvPr id="1" name=""/>
+        <p:cNvGrpSpPr/>
+        <p:nvPr/>
+      </p:nvGrpSpPr>
+      <p:grpSpPr>
+        <a:xfrm>
+          <a:off x="0" y="0"/>
+          <a:ext cx="0" cy="0"/>
+          <a:chOff x="0" y="0"/>
+          <a:chExt cx="0" cy="0"/>
+        </a:xfrm>
+      </p:grpSpPr>
+      <p:sp>
+        <p:nvSpPr>
+          <p:cNvPr id="2" name="Title 1">
+            <a:extLst>
+              <a:ext uri="{FF2B5EF4-FFF2-40B4-BE49-F238E27FC236}">
+                <a16:creationId xmlns:a16="http://schemas.microsoft.com/office/drawing/2014/main" id="{A4917113-73A9-DDCE-F5FF-947AACA7405B}"/>
+              </a:ext>
+            </a:extLst>
+          </p:cNvPr>
+          <p:cNvSpPr>
+            <a:spLocks noGrp="1"/>
+          </p:cNvSpPr>
+          <p:nvPr>
+            <p:ph type="title"/>
+          </p:nvPr>
+        </p:nvSpPr>
+        <p:spPr/>
+        <p:txBody>
+          <a:bodyPr/>
+          <a:lstStyle/>
+          <a:p>
+            <a:r>
+              <a:rPr lang="en-US" dirty="0">
+                <a:solidFill>
+                  <a:srgbClr val="FF0000"/>
+                </a:solidFill>
+              </a:rPr>
+              <a:t>Author Information</a:t>
+            </a:r>
+          </a:p>
+        </p:txBody>
+      </p:sp>
+      <p:sp>
+        <p:nvSpPr>
+          <p:cNvPr id="3" name="Content Placeholder 2">
+            <a:extLst>
+              <a:ext uri="{FF2B5EF4-FFF2-40B4-BE49-F238E27FC236}">
+                <a16:creationId xmlns:a16="http://schemas.microsoft.com/office/drawing/2014/main" id="{47B1985C-679E-85F6-1459-7DF165E37C44}"/>
+              </a:ext>
+            </a:extLst>
+          </p:cNvPr>
+          <p:cNvSpPr>
+            <a:spLocks noGrp="1"/>
+          </p:cNvSpPr>
+          <p:nvPr>
+            <p:ph idx="1"/>
+          </p:nvPr>
+        </p:nvSpPr>
+        <p:spPr/>
+        <p:txBody>
+          <a:bodyPr/>
+          <a:lstStyle/>
+          <a:p>
+            <a:r>
+              <a:rPr lang="en-US" b="1" dirty="0">
+                <a:solidFill>
+                  <a:schemeClr val="bg1">
+                    <a:lumMod val="95000"/>
+                  </a:schemeClr>
+                </a:solidFill>
+              </a:rPr>
+              <a:t>Author / Reported by</a:t>
+            </a:r>
+            <a:br>
+              <a:rPr lang="en-US" dirty="0">
+                <a:solidFill>
+                  <a:schemeClr val="bg1">
+                    <a:lumMod val="95000"/>
+                  </a:schemeClr>
+                </a:solidFill>
+              </a:rPr>
+            </a:br>
+            <a:r>
+              <a:rPr lang="en-US" dirty="0">
+                <a:solidFill>
+                  <a:srgbClr val="FF0000"/>
+                </a:solidFill>
+                <a:hlinkClick r:id="rId2"/>
+              </a:rPr>
+              <a:t>AJIT JHA</a:t>
+            </a:r>
+            <a:endParaRPr lang="en-US" dirty="0">
+              <a:solidFill>
+                <a:schemeClr val="bg1">
+                  <a:lumMod val="95000"/>
+                </a:schemeClr>
+              </a:solidFill>
+            </a:endParaRPr>
+          </a:p>
+          <a:p>
+            <a:pPr marL="0" indent="0">
+              <a:buNone/>
+            </a:pPr>
+            <a:endParaRPr lang="en-US" dirty="0">
+              <a:solidFill>
+                <a:schemeClr val="bg1">
+                  <a:lumMod val="95000"/>
+                </a:schemeClr>
+              </a:solidFill>
+            </a:endParaRPr>
+          </a:p>
+          <a:p>
+            <a:r>
+              <a:rPr lang="en-US" dirty="0">
+                <a:solidFill>
+                  <a:schemeClr val="bg1">
+                    <a:lumMod val="95000"/>
+                  </a:schemeClr>
+                </a:solidFill>
+              </a:rPr>
+              <a:t>Dashboard (</a:t>
+            </a:r>
+            <a:r>
+              <a:rPr lang="en-US" dirty="0"/>
+              <a:t>)</a:t>
+            </a:r>
+            <a:r>
+              <a:rPr lang="en-US" dirty="0">
+                <a:solidFill>
+                  <a:schemeClr val="bg1">
+                    <a:lumMod val="95000"/>
+                  </a:schemeClr>
+                </a:solidFill>
+                <a:hlinkClick r:id="rId3"/>
+              </a:rPr>
+              <a:t>Tableau Public</a:t>
+            </a:r>
+            <a:r>
+              <a:rPr lang="en-US" dirty="0">
+                <a:solidFill>
+                  <a:schemeClr val="bg1">
+                    <a:lumMod val="95000"/>
+                  </a:schemeClr>
+                </a:solidFill>
+              </a:rPr>
+              <a:t>)</a:t>
+            </a:r>
+          </a:p>
+          <a:p>
+            <a:r>
+              <a:rPr lang="en-US" dirty="0">
+                <a:solidFill>
+                  <a:schemeClr val="bg1">
+                    <a:lumMod val="95000"/>
+                  </a:schemeClr>
+                </a:solidFill>
+              </a:rPr>
+              <a:t>GitHub Repository (</a:t>
+            </a:r>
+            <a:r>
+              <a:rPr lang="en-US" dirty="0" err="1">
+                <a:solidFill>
+                  <a:schemeClr val="bg1">
+                    <a:lumMod val="95000"/>
+                  </a:schemeClr>
+                </a:solidFill>
+                <a:hlinkClick r:id="rId4"/>
+              </a:rPr>
+              <a:t>Github</a:t>
+            </a:r>
+            <a:r>
+              <a:rPr lang="en-US" dirty="0">
+                <a:solidFill>
+                  <a:schemeClr val="bg1">
+                    <a:lumMod val="95000"/>
+                  </a:schemeClr>
+                </a:solidFill>
+              </a:rPr>
+              <a:t>)</a:t>
+            </a:r>
+          </a:p>
+        </p:txBody>
+      </p:sp>
+    </p:spTree>
+    <p:extLst>
+      <p:ext uri="{BB962C8B-B14F-4D97-AF65-F5344CB8AC3E}">
+        <p14:creationId xmlns:p14="http://schemas.microsoft.com/office/powerpoint/2010/main" val="4022838128"/>
       </p:ext>
     </p:extLst>
   </p:cSld>
